--- a/PPT/5 .JavaScript - Events.pptx
+++ b/PPT/5 .JavaScript - Events.pptx
@@ -288,7 +288,7 @@
             <a:fld id="{1A2370D3-8557-4A5C-8871-F1D0D38792F9}" type="datetimeFigureOut">
               <a:rPr lang="en-US" smtClean="0"/>
               <a:pPr/>
-              <a:t>4/11/2020</a:t>
+              <a:t>4/17/2020</a:t>
             </a:fld>
             <a:endParaRPr lang="en-US"/>
           </a:p>
@@ -455,7 +455,7 @@
             <a:fld id="{1A2370D3-8557-4A5C-8871-F1D0D38792F9}" type="datetimeFigureOut">
               <a:rPr lang="en-US" smtClean="0"/>
               <a:pPr/>
-              <a:t>4/11/2020</a:t>
+              <a:t>4/17/2020</a:t>
             </a:fld>
             <a:endParaRPr lang="en-US"/>
           </a:p>
@@ -632,7 +632,7 @@
             <a:fld id="{1A2370D3-8557-4A5C-8871-F1D0D38792F9}" type="datetimeFigureOut">
               <a:rPr lang="en-US" smtClean="0"/>
               <a:pPr/>
-              <a:t>4/11/2020</a:t>
+              <a:t>4/17/2020</a:t>
             </a:fld>
             <a:endParaRPr lang="en-US"/>
           </a:p>
@@ -799,7 +799,7 @@
             <a:fld id="{1A2370D3-8557-4A5C-8871-F1D0D38792F9}" type="datetimeFigureOut">
               <a:rPr lang="en-US" smtClean="0"/>
               <a:pPr/>
-              <a:t>4/11/2020</a:t>
+              <a:t>4/17/2020</a:t>
             </a:fld>
             <a:endParaRPr lang="en-US"/>
           </a:p>
@@ -1043,7 +1043,7 @@
             <a:fld id="{1A2370D3-8557-4A5C-8871-F1D0D38792F9}" type="datetimeFigureOut">
               <a:rPr lang="en-US" smtClean="0"/>
               <a:pPr/>
-              <a:t>4/11/2020</a:t>
+              <a:t>4/17/2020</a:t>
             </a:fld>
             <a:endParaRPr lang="en-US"/>
           </a:p>
@@ -1309,7 +1309,7 @@
             <a:fld id="{1A2370D3-8557-4A5C-8871-F1D0D38792F9}" type="datetimeFigureOut">
               <a:rPr lang="en-US" smtClean="0"/>
               <a:pPr/>
-              <a:t>4/11/2020</a:t>
+              <a:t>4/17/2020</a:t>
             </a:fld>
             <a:endParaRPr lang="en-US"/>
           </a:p>
@@ -1689,7 +1689,7 @@
             <a:fld id="{1A2370D3-8557-4A5C-8871-F1D0D38792F9}" type="datetimeFigureOut">
               <a:rPr lang="en-US" smtClean="0"/>
               <a:pPr/>
-              <a:t>4/11/2020</a:t>
+              <a:t>4/17/2020</a:t>
             </a:fld>
             <a:endParaRPr lang="en-US"/>
           </a:p>
@@ -1841,7 +1841,7 @@
             <a:fld id="{1A2370D3-8557-4A5C-8871-F1D0D38792F9}" type="datetimeFigureOut">
               <a:rPr lang="en-US" smtClean="0"/>
               <a:pPr/>
-              <a:t>4/11/2020</a:t>
+              <a:t>4/17/2020</a:t>
             </a:fld>
             <a:endParaRPr lang="en-US"/>
           </a:p>
@@ -1933,7 +1933,7 @@
             <a:fld id="{1A2370D3-8557-4A5C-8871-F1D0D38792F9}" type="datetimeFigureOut">
               <a:rPr lang="en-US" smtClean="0"/>
               <a:pPr/>
-              <a:t>4/11/2020</a:t>
+              <a:t>4/17/2020</a:t>
             </a:fld>
             <a:endParaRPr lang="en-US"/>
           </a:p>
@@ -2196,7 +2196,7 @@
             <a:fld id="{1A2370D3-8557-4A5C-8871-F1D0D38792F9}" type="datetimeFigureOut">
               <a:rPr lang="en-US" smtClean="0"/>
               <a:pPr/>
-              <a:t>4/11/2020</a:t>
+              <a:t>4/17/2020</a:t>
             </a:fld>
             <a:endParaRPr lang="en-US"/>
           </a:p>
@@ -2486,7 +2486,7 @@
             <a:fld id="{1A2370D3-8557-4A5C-8871-F1D0D38792F9}" type="datetimeFigureOut">
               <a:rPr lang="en-US" smtClean="0"/>
               <a:pPr/>
-              <a:t>4/11/2020</a:t>
+              <a:t>4/17/2020</a:t>
             </a:fld>
             <a:endParaRPr lang="en-US"/>
           </a:p>
@@ -3259,7 +3259,7 @@
             <a:fld id="{1A2370D3-8557-4A5C-8871-F1D0D38792F9}" type="datetimeFigureOut">
               <a:rPr lang="en-US" smtClean="0"/>
               <a:pPr/>
-              <a:t>4/11/2020</a:t>
+              <a:t>4/17/2020</a:t>
             </a:fld>
             <a:endParaRPr lang="en-US"/>
           </a:p>
@@ -5220,7 +5220,15 @@
             </a:r>
             <a:r>
               <a:rPr lang="en-US" dirty="0" smtClean="0"/>
-              <a:t> event with suitable example.</a:t>
+              <a:t> </a:t>
+            </a:r>
+            <a:r>
+              <a:rPr lang="en-US" dirty="0" smtClean="0"/>
+              <a:t>events </a:t>
+            </a:r>
+            <a:r>
+              <a:rPr lang="en-US" dirty="0" smtClean="0"/>
+              <a:t>with suitable example.</a:t>
             </a:r>
           </a:p>
           <a:p>
